--- a/documents/Architect.pptx
+++ b/documents/Architect.pptx
@@ -11,6 +11,10 @@
     <p:sldId id="259" r:id="rId5"/>
     <p:sldId id="260" r:id="rId6"/>
     <p:sldId id="261" r:id="rId7"/>
+    <p:sldId id="262" r:id="rId8"/>
+    <p:sldId id="263" r:id="rId9"/>
+    <p:sldId id="264" r:id="rId10"/>
+    <p:sldId id="265" r:id="rId11"/>
   </p:sldIdLst>
   <p:sldSz cx="9144000" cy="6858000" type="screen4x3"/>
   <p:notesSz cx="6858000" cy="9144000"/>
@@ -305,7 +309,7 @@
           <a:p>
             <a:fld id="{8D01B569-7E1F-462C-A2B4-601F43872D5B}" type="datetimeFigureOut">
               <a:rPr lang="vi-VN" smtClean="0"/>
-              <a:t>27/03/2017</a:t>
+              <a:t>05/04/2017</a:t>
             </a:fld>
             <a:endParaRPr lang="vi-VN"/>
           </a:p>
@@ -637,7 +641,7 @@
           <a:p>
             <a:fld id="{8D01B569-7E1F-462C-A2B4-601F43872D5B}" type="datetimeFigureOut">
               <a:rPr lang="vi-VN" smtClean="0"/>
-              <a:t>27/03/2017</a:t>
+              <a:t>05/04/2017</a:t>
             </a:fld>
             <a:endParaRPr lang="vi-VN"/>
           </a:p>
@@ -1036,7 +1040,7 @@
           <a:p>
             <a:fld id="{8D01B569-7E1F-462C-A2B4-601F43872D5B}" type="datetimeFigureOut">
               <a:rPr lang="vi-VN" smtClean="0"/>
-              <a:t>27/03/2017</a:t>
+              <a:t>05/04/2017</a:t>
             </a:fld>
             <a:endParaRPr lang="vi-VN"/>
           </a:p>
@@ -1370,7 +1374,7 @@
           <a:p>
             <a:fld id="{8D01B569-7E1F-462C-A2B4-601F43872D5B}" type="datetimeFigureOut">
               <a:rPr lang="vi-VN" smtClean="0"/>
-              <a:t>27/03/2017</a:t>
+              <a:t>05/04/2017</a:t>
             </a:fld>
             <a:endParaRPr lang="vi-VN"/>
           </a:p>
@@ -1688,7 +1692,7 @@
           <a:p>
             <a:fld id="{8D01B569-7E1F-462C-A2B4-601F43872D5B}" type="datetimeFigureOut">
               <a:rPr lang="vi-VN" smtClean="0"/>
-              <a:t>27/03/2017</a:t>
+              <a:t>05/04/2017</a:t>
             </a:fld>
             <a:endParaRPr lang="vi-VN"/>
           </a:p>
@@ -2082,7 +2086,7 @@
           <a:p>
             <a:fld id="{8D01B569-7E1F-462C-A2B4-601F43872D5B}" type="datetimeFigureOut">
               <a:rPr lang="vi-VN" smtClean="0"/>
-              <a:t>27/03/2017</a:t>
+              <a:t>05/04/2017</a:t>
             </a:fld>
             <a:endParaRPr lang="vi-VN"/>
           </a:p>
@@ -2337,7 +2341,7 @@
           <a:p>
             <a:fld id="{8D01B569-7E1F-462C-A2B4-601F43872D5B}" type="datetimeFigureOut">
               <a:rPr lang="vi-VN" smtClean="0"/>
-              <a:t>27/03/2017</a:t>
+              <a:t>05/04/2017</a:t>
             </a:fld>
             <a:endParaRPr lang="vi-VN"/>
           </a:p>
@@ -2597,7 +2601,7 @@
           <a:p>
             <a:fld id="{8D01B569-7E1F-462C-A2B4-601F43872D5B}" type="datetimeFigureOut">
               <a:rPr lang="vi-VN" smtClean="0"/>
-              <a:t>27/03/2017</a:t>
+              <a:t>05/04/2017</a:t>
             </a:fld>
             <a:endParaRPr lang="vi-VN"/>
           </a:p>
@@ -2857,7 +2861,7 @@
           <a:p>
             <a:fld id="{8D01B569-7E1F-462C-A2B4-601F43872D5B}" type="datetimeFigureOut">
               <a:rPr lang="vi-VN" smtClean="0"/>
-              <a:t>27/03/2017</a:t>
+              <a:t>05/04/2017</a:t>
             </a:fld>
             <a:endParaRPr lang="vi-VN"/>
           </a:p>
@@ -3184,7 +3188,7 @@
           <a:p>
             <a:fld id="{8D01B569-7E1F-462C-A2B4-601F43872D5B}" type="datetimeFigureOut">
               <a:rPr lang="vi-VN" smtClean="0"/>
-              <a:t>27/03/2017</a:t>
+              <a:t>05/04/2017</a:t>
             </a:fld>
             <a:endParaRPr lang="vi-VN"/>
           </a:p>
@@ -3505,7 +3509,7 @@
           <a:p>
             <a:fld id="{8D01B569-7E1F-462C-A2B4-601F43872D5B}" type="datetimeFigureOut">
               <a:rPr lang="vi-VN" smtClean="0"/>
-              <a:t>27/03/2017</a:t>
+              <a:t>05/04/2017</a:t>
             </a:fld>
             <a:endParaRPr lang="vi-VN"/>
           </a:p>
@@ -3960,7 +3964,7 @@
           <a:p>
             <a:fld id="{8D01B569-7E1F-462C-A2B4-601F43872D5B}" type="datetimeFigureOut">
               <a:rPr lang="vi-VN" smtClean="0"/>
-              <a:t>27/03/2017</a:t>
+              <a:t>05/04/2017</a:t>
             </a:fld>
             <a:endParaRPr lang="vi-VN"/>
           </a:p>
@@ -4168,7 +4172,7 @@
           <a:p>
             <a:fld id="{8D01B569-7E1F-462C-A2B4-601F43872D5B}" type="datetimeFigureOut">
               <a:rPr lang="vi-VN" smtClean="0"/>
-              <a:t>27/03/2017</a:t>
+              <a:t>05/04/2017</a:t>
             </a:fld>
             <a:endParaRPr lang="vi-VN"/>
           </a:p>
@@ -4343,7 +4347,7 @@
           <a:p>
             <a:fld id="{8D01B569-7E1F-462C-A2B4-601F43872D5B}" type="datetimeFigureOut">
               <a:rPr lang="vi-VN" smtClean="0"/>
-              <a:t>27/03/2017</a:t>
+              <a:t>05/04/2017</a:t>
             </a:fld>
             <a:endParaRPr lang="vi-VN"/>
           </a:p>
@@ -4674,7 +4678,7 @@
           <a:p>
             <a:fld id="{8D01B569-7E1F-462C-A2B4-601F43872D5B}" type="datetimeFigureOut">
               <a:rPr lang="vi-VN" smtClean="0"/>
-              <a:t>27/03/2017</a:t>
+              <a:t>05/04/2017</a:t>
             </a:fld>
             <a:endParaRPr lang="vi-VN"/>
           </a:p>
@@ -5017,7 +5021,7 @@
           <a:p>
             <a:fld id="{8D01B569-7E1F-462C-A2B4-601F43872D5B}" type="datetimeFigureOut">
               <a:rPr lang="vi-VN" smtClean="0"/>
-              <a:t>27/03/2017</a:t>
+              <a:t>05/04/2017</a:t>
             </a:fld>
             <a:endParaRPr lang="vi-VN"/>
           </a:p>
@@ -7132,7 +7136,7 @@
           <a:p>
             <a:fld id="{8D01B569-7E1F-462C-A2B4-601F43872D5B}" type="datetimeFigureOut">
               <a:rPr lang="vi-VN" smtClean="0"/>
-              <a:t>27/03/2017</a:t>
+              <a:t>05/04/2017</a:t>
             </a:fld>
             <a:endParaRPr lang="vi-VN"/>
           </a:p>
@@ -7667,15 +7671,7 @@
           <a:p>
             <a:r>
               <a:rPr lang="en-US" dirty="0" smtClean="0"/>
-              <a:t>BHXH ALL IN </a:t>
-            </a:r>
-            <a:r>
-              <a:rPr lang="en-US" dirty="0" smtClean="0"/>
-              <a:t>ONE</a:t>
-            </a:r>
-            <a:r>
-              <a:rPr lang="en-US" dirty="0" smtClean="0"/>
-              <a:t/>
+              <a:t>BHXH ALL IN ONE</a:t>
             </a:r>
             <a:br>
               <a:rPr lang="en-US" dirty="0" smtClean="0"/>
@@ -7715,6 +7711,113 @@
     <p:extLst>
       <p:ext uri="{BB962C8B-B14F-4D97-AF65-F5344CB8AC3E}">
         <p14:creationId xmlns:p14="http://schemas.microsoft.com/office/powerpoint/2010/main" val="2141679831"/>
+      </p:ext>
+    </p:extLst>
+  </p:cSld>
+  <p:clrMapOvr>
+    <a:masterClrMapping/>
+  </p:clrMapOvr>
+  <p:timing>
+    <p:tnLst>
+      <p:par>
+        <p:cTn id="1" dur="indefinite" restart="never" nodeType="tmRoot"/>
+      </p:par>
+    </p:tnLst>
+  </p:timing>
+</p:sld>
+</file>
+
+<file path=ppt/slides/slide10.xml><?xml version="1.0" encoding="utf-8"?>
+<p:sld xmlns:a="http://schemas.openxmlformats.org/drawingml/2006/main" xmlns:r="http://schemas.openxmlformats.org/officeDocument/2006/relationships" xmlns:p="http://schemas.openxmlformats.org/presentationml/2006/main">
+  <p:cSld>
+    <p:spTree>
+      <p:nvGrpSpPr>
+        <p:cNvPr id="1" name=""/>
+        <p:cNvGrpSpPr/>
+        <p:nvPr/>
+      </p:nvGrpSpPr>
+      <p:grpSpPr>
+        <a:xfrm>
+          <a:off x="0" y="0"/>
+          <a:ext cx="0" cy="0"/>
+          <a:chOff x="0" y="0"/>
+          <a:chExt cx="0" cy="0"/>
+        </a:xfrm>
+      </p:grpSpPr>
+      <p:sp>
+        <p:nvSpPr>
+          <p:cNvPr id="2" name="Title 1"/>
+          <p:cNvSpPr>
+            <a:spLocks noGrp="1"/>
+          </p:cNvSpPr>
+          <p:nvPr>
+            <p:ph type="title"/>
+          </p:nvPr>
+        </p:nvSpPr>
+        <p:spPr/>
+        <p:txBody>
+          <a:bodyPr/>
+          <a:lstStyle/>
+          <a:p>
+            <a:r>
+              <a:rPr lang="vi-VN" dirty="0" smtClean="0"/>
+              <a:t>BHXH.Ultil</a:t>
+            </a:r>
+            <a:endParaRPr lang="vi-VN" dirty="0"/>
+          </a:p>
+        </p:txBody>
+      </p:sp>
+      <p:sp>
+        <p:nvSpPr>
+          <p:cNvPr id="3" name="Content Placeholder 2"/>
+          <p:cNvSpPr>
+            <a:spLocks noGrp="1"/>
+          </p:cNvSpPr>
+          <p:nvPr>
+            <p:ph idx="1"/>
+          </p:nvPr>
+        </p:nvSpPr>
+        <p:spPr/>
+        <p:txBody>
+          <a:bodyPr/>
+          <a:lstStyle/>
+          <a:p>
+            <a:r>
+              <a:rPr lang="vi-VN" dirty="0" smtClean="0"/>
+              <a:t>Cryptor</a:t>
+            </a:r>
+          </a:p>
+          <a:p>
+            <a:r>
+              <a:rPr lang="vi-VN" dirty="0" smtClean="0"/>
+              <a:t>String</a:t>
+            </a:r>
+          </a:p>
+          <a:p>
+            <a:r>
+              <a:rPr lang="vi-VN" dirty="0" smtClean="0"/>
+              <a:t>Datetime</a:t>
+            </a:r>
+          </a:p>
+          <a:p>
+            <a:r>
+              <a:rPr lang="vi-VN" dirty="0" smtClean="0"/>
+              <a:t>UnicodeConverter</a:t>
+            </a:r>
+          </a:p>
+          <a:p>
+            <a:r>
+              <a:rPr lang="vi-VN" dirty="0" smtClean="0"/>
+              <a:t>Excel</a:t>
+            </a:r>
+            <a:endParaRPr lang="vi-VN" dirty="0"/>
+          </a:p>
+        </p:txBody>
+      </p:sp>
+    </p:spTree>
+    <p:extLst>
+      <p:ext uri="{BB962C8B-B14F-4D97-AF65-F5344CB8AC3E}">
+        <p14:creationId xmlns:p14="http://schemas.microsoft.com/office/powerpoint/2010/main" val="3118394048"/>
       </p:ext>
     </p:extLst>
   </p:cSld>
@@ -9303,7 +9406,6 @@
               <a:rPr lang="en-US" sz="1800" kern="1200" dirty="0" smtClean="0"/>
               <a:t>DATABASE</a:t>
             </a:r>
-            <a:endParaRPr lang="en-US" sz="1800" kern="1200" dirty="0" smtClean="0"/>
           </a:p>
         </p:txBody>
       </p:sp>
@@ -9317,6 +9419,13 @@
   <p:clrMapOvr>
     <a:masterClrMapping/>
   </p:clrMapOvr>
+  <p:timing>
+    <p:tnLst>
+      <p:par>
+        <p:cTn id="1" dur="indefinite" restart="never" nodeType="tmRoot"/>
+      </p:par>
+    </p:tnLst>
+  </p:timing>
 </p:sld>
 </file>
 
@@ -9556,6 +9665,16 @@
             </a:r>
             <a:endParaRPr lang="en-US" dirty="0" smtClean="0"/>
           </a:p>
+          <a:p>
+            <a:r>
+              <a:rPr lang="en-US" dirty="0" err="1" smtClean="0"/>
+              <a:t>DevExpress</a:t>
+            </a:r>
+            <a:r>
+              <a:rPr lang="en-US" dirty="0" smtClean="0"/>
+              <a:t> controls</a:t>
+            </a:r>
+          </a:p>
         </p:txBody>
       </p:sp>
     </p:spTree>
@@ -9568,6 +9687,13 @@
   <p:clrMapOvr>
     <a:masterClrMapping/>
   </p:clrMapOvr>
+  <p:timing>
+    <p:tnLst>
+      <p:par>
+        <p:cTn id="1" dur="indefinite" restart="never" nodeType="tmRoot"/>
+      </p:par>
+    </p:tnLst>
+  </p:timing>
 </p:sld>
 </file>
 
@@ -9627,39 +9753,65 @@
         </p:nvSpPr>
         <p:spPr/>
         <p:txBody>
-          <a:bodyPr/>
+          <a:bodyPr>
+            <a:normAutofit fontScale="85000" lnSpcReduction="10000"/>
+          </a:bodyPr>
           <a:lstStyle/>
           <a:p>
             <a:r>
-              <a:rPr lang="en-US" dirty="0" err="1"/>
+              <a:rPr lang="en-US" dirty="0" err="1">
+                <a:latin typeface="Arial" panose="020B0604020202020204" pitchFamily="34" charset="0"/>
+                <a:cs typeface="Arial" panose="020B0604020202020204" pitchFamily="34" charset="0"/>
+              </a:rPr>
               <a:t>Quy</a:t>
             </a:r>
             <a:r>
-              <a:rPr lang="en-US" dirty="0"/>
+              <a:rPr lang="en-US" dirty="0">
+                <a:latin typeface="Arial" panose="020B0604020202020204" pitchFamily="34" charset="0"/>
+                <a:cs typeface="Arial" panose="020B0604020202020204" pitchFamily="34" charset="0"/>
+              </a:rPr>
               <a:t> </a:t>
             </a:r>
             <a:r>
-              <a:rPr lang="en-US" dirty="0" err="1"/>
+              <a:rPr lang="en-US" dirty="0" err="1">
+                <a:latin typeface="Arial" panose="020B0604020202020204" pitchFamily="34" charset="0"/>
+                <a:cs typeface="Arial" panose="020B0604020202020204" pitchFamily="34" charset="0"/>
+              </a:rPr>
               <a:t>tắc</a:t>
             </a:r>
             <a:r>
-              <a:rPr lang="en-US" dirty="0"/>
+              <a:rPr lang="en-US" dirty="0">
+                <a:latin typeface="Arial" panose="020B0604020202020204" pitchFamily="34" charset="0"/>
+                <a:cs typeface="Arial" panose="020B0604020202020204" pitchFamily="34" charset="0"/>
+              </a:rPr>
               <a:t> </a:t>
             </a:r>
             <a:r>
-              <a:rPr lang="en-US" dirty="0" err="1"/>
+              <a:rPr lang="en-US" dirty="0" err="1">
+                <a:latin typeface="Arial" panose="020B0604020202020204" pitchFamily="34" charset="0"/>
+                <a:cs typeface="Arial" panose="020B0604020202020204" pitchFamily="34" charset="0"/>
+              </a:rPr>
               <a:t>đặt</a:t>
             </a:r>
             <a:r>
-              <a:rPr lang="en-US" dirty="0"/>
+              <a:rPr lang="en-US" dirty="0">
+                <a:latin typeface="Arial" panose="020B0604020202020204" pitchFamily="34" charset="0"/>
+                <a:cs typeface="Arial" panose="020B0604020202020204" pitchFamily="34" charset="0"/>
+              </a:rPr>
               <a:t> </a:t>
             </a:r>
             <a:r>
-              <a:rPr lang="en-US" dirty="0" err="1" smtClean="0"/>
+              <a:rPr lang="en-US" dirty="0" err="1" smtClean="0">
+                <a:latin typeface="Arial" panose="020B0604020202020204" pitchFamily="34" charset="0"/>
+                <a:cs typeface="Arial" panose="020B0604020202020204" pitchFamily="34" charset="0"/>
+              </a:rPr>
               <a:t>tên</a:t>
             </a:r>
             <a:r>
-              <a:rPr lang="en-US" dirty="0" smtClean="0"/>
+              <a:rPr lang="en-US" dirty="0" smtClean="0">
+                <a:latin typeface="Arial" panose="020B0604020202020204" pitchFamily="34" charset="0"/>
+                <a:cs typeface="Arial" panose="020B0604020202020204" pitchFamily="34" charset="0"/>
+              </a:rPr>
               <a:t>: </a:t>
             </a:r>
           </a:p>
@@ -9669,86 +9821,499 @@
             </a:pPr>
             <a:r>
               <a:rPr lang="en-US" dirty="0">
+                <a:latin typeface="Arial" panose="020B0604020202020204" pitchFamily="34" charset="0"/>
+                <a:cs typeface="Arial" panose="020B0604020202020204" pitchFamily="34" charset="0"/>
                 <a:hlinkClick r:id="rId2"/>
               </a:rPr>
-              <a:t>https://nguyentuanit.wordpress.com/2011/09/06/chu%E1%BA%A9n-vi%E1%BA%BFt-code-va-thi%E1%BA%BFt-k%E1%BA%BF-giao-di%E1%BB%87n-trong-c/</a:t>
-            </a:r>
-            <a:endParaRPr lang="en-US" dirty="0" smtClean="0"/>
-          </a:p>
-          <a:p>
-            <a:r>
-              <a:rPr lang="en-US" dirty="0" err="1" smtClean="0"/>
+              <a:t>https://nguyentuanit.wordpress.com/2011/09/06/chu%E1%BA%A9n-vi%E1%BA%BFt-code-va-thi%E1%BA%BFt-k%E1%BA%BF-giao-di%E1%BB%87n-trong-c</a:t>
+            </a:r>
+            <a:r>
+              <a:rPr lang="en-US" dirty="0" smtClean="0">
+                <a:latin typeface="Arial" panose="020B0604020202020204" pitchFamily="34" charset="0"/>
+                <a:cs typeface="Arial" panose="020B0604020202020204" pitchFamily="34" charset="0"/>
+                <a:hlinkClick r:id="rId2"/>
+              </a:rPr>
+              <a:t>/</a:t>
+            </a:r>
+            <a:endParaRPr lang="en-US" dirty="0" smtClean="0">
+              <a:latin typeface="Arial" panose="020B0604020202020204" pitchFamily="34" charset="0"/>
+              <a:cs typeface="Arial" panose="020B0604020202020204" pitchFamily="34" charset="0"/>
+            </a:endParaRPr>
+          </a:p>
+          <a:p>
+            <a:r>
+              <a:rPr lang="en-US" dirty="0" smtClean="0">
+                <a:latin typeface="Arial" panose="020B0604020202020204" pitchFamily="34" charset="0"/>
+                <a:cs typeface="Arial" panose="020B0604020202020204" pitchFamily="34" charset="0"/>
+              </a:rPr>
+              <a:t>ID: </a:t>
+            </a:r>
+          </a:p>
+          <a:p>
+            <a:pPr lvl="1"/>
+            <a:r>
+              <a:rPr lang="en-US" dirty="0" smtClean="0">
+                <a:latin typeface="Arial" panose="020B0604020202020204" pitchFamily="34" charset="0"/>
+                <a:cs typeface="Arial" panose="020B0604020202020204" pitchFamily="34" charset="0"/>
+              </a:rPr>
+              <a:t>List: </a:t>
+            </a:r>
+            <a:r>
+              <a:rPr lang="en-US" dirty="0" err="1" smtClean="0">
+                <a:latin typeface="Arial" panose="020B0604020202020204" pitchFamily="34" charset="0"/>
+                <a:cs typeface="Arial" panose="020B0604020202020204" pitchFamily="34" charset="0"/>
+              </a:rPr>
+              <a:t>Tên</a:t>
+            </a:r>
+            <a:r>
+              <a:rPr lang="en-US" dirty="0" smtClean="0">
+                <a:latin typeface="Arial" panose="020B0604020202020204" pitchFamily="34" charset="0"/>
+                <a:cs typeface="Arial" panose="020B0604020202020204" pitchFamily="34" charset="0"/>
+              </a:rPr>
+              <a:t> </a:t>
+            </a:r>
+            <a:r>
+              <a:rPr lang="en-US" dirty="0" err="1" smtClean="0">
+                <a:latin typeface="Arial" panose="020B0604020202020204" pitchFamily="34" charset="0"/>
+                <a:cs typeface="Arial" panose="020B0604020202020204" pitchFamily="34" charset="0"/>
+              </a:rPr>
+              <a:t>Tiếng</a:t>
+            </a:r>
+            <a:r>
+              <a:rPr lang="en-US" dirty="0" smtClean="0">
+                <a:latin typeface="Arial" panose="020B0604020202020204" pitchFamily="34" charset="0"/>
+                <a:cs typeface="Arial" panose="020B0604020202020204" pitchFamily="34" charset="0"/>
+              </a:rPr>
+              <a:t> </a:t>
+            </a:r>
+            <a:r>
+              <a:rPr lang="en-US" dirty="0" err="1" smtClean="0">
+                <a:latin typeface="Arial" panose="020B0604020202020204" pitchFamily="34" charset="0"/>
+                <a:cs typeface="Arial" panose="020B0604020202020204" pitchFamily="34" charset="0"/>
+              </a:rPr>
+              <a:t>Việt</a:t>
+            </a:r>
+            <a:r>
+              <a:rPr lang="en-US" dirty="0" smtClean="0">
+                <a:latin typeface="Arial" panose="020B0604020202020204" pitchFamily="34" charset="0"/>
+                <a:cs typeface="Arial" panose="020B0604020202020204" pitchFamily="34" charset="0"/>
+              </a:rPr>
+              <a:t> </a:t>
+            </a:r>
+            <a:r>
+              <a:rPr lang="en-US" dirty="0" err="1" smtClean="0">
+                <a:latin typeface="Arial" panose="020B0604020202020204" pitchFamily="34" charset="0"/>
+                <a:cs typeface="Arial" panose="020B0604020202020204" pitchFamily="34" charset="0"/>
+              </a:rPr>
+              <a:t>bỏ</a:t>
+            </a:r>
+            <a:r>
+              <a:rPr lang="en-US" dirty="0" smtClean="0">
+                <a:latin typeface="Arial" panose="020B0604020202020204" pitchFamily="34" charset="0"/>
+                <a:cs typeface="Arial" panose="020B0604020202020204" pitchFamily="34" charset="0"/>
+              </a:rPr>
+              <a:t> </a:t>
+            </a:r>
+            <a:r>
+              <a:rPr lang="en-US" dirty="0" err="1" smtClean="0">
+                <a:latin typeface="Arial" panose="020B0604020202020204" pitchFamily="34" charset="0"/>
+                <a:cs typeface="Arial" panose="020B0604020202020204" pitchFamily="34" charset="0"/>
+              </a:rPr>
+              <a:t>dấu</a:t>
+            </a:r>
+            <a:r>
+              <a:rPr lang="en-US" dirty="0" smtClean="0">
+                <a:latin typeface="Arial" panose="020B0604020202020204" pitchFamily="34" charset="0"/>
+                <a:cs typeface="Arial" panose="020B0604020202020204" pitchFamily="34" charset="0"/>
+              </a:rPr>
+              <a:t> ( </a:t>
+            </a:r>
+            <a:r>
+              <a:rPr lang="en-US" dirty="0" err="1" smtClean="0">
+                <a:latin typeface="Arial" panose="020B0604020202020204" pitchFamily="34" charset="0"/>
+                <a:cs typeface="Arial" panose="020B0604020202020204" pitchFamily="34" charset="0"/>
+              </a:rPr>
+              <a:t>có</a:t>
+            </a:r>
+            <a:r>
+              <a:rPr lang="en-US" dirty="0" smtClean="0">
+                <a:latin typeface="Arial" panose="020B0604020202020204" pitchFamily="34" charset="0"/>
+                <a:cs typeface="Arial" panose="020B0604020202020204" pitchFamily="34" charset="0"/>
+              </a:rPr>
+              <a:t> </a:t>
+            </a:r>
+            <a:r>
+              <a:rPr lang="en-US" dirty="0" err="1" smtClean="0">
+                <a:latin typeface="Arial" panose="020B0604020202020204" pitchFamily="34" charset="0"/>
+                <a:cs typeface="Arial" panose="020B0604020202020204" pitchFamily="34" charset="0"/>
+              </a:rPr>
+              <a:t>hàm</a:t>
+            </a:r>
+            <a:r>
+              <a:rPr lang="en-US" dirty="0" smtClean="0">
+                <a:latin typeface="Arial" panose="020B0604020202020204" pitchFamily="34" charset="0"/>
+                <a:cs typeface="Arial" panose="020B0604020202020204" pitchFamily="34" charset="0"/>
+              </a:rPr>
+              <a:t> </a:t>
+            </a:r>
+            <a:r>
+              <a:rPr lang="en-US" dirty="0" err="1" smtClean="0">
+                <a:latin typeface="Arial" panose="020B0604020202020204" pitchFamily="34" charset="0"/>
+                <a:cs typeface="Arial" panose="020B0604020202020204" pitchFamily="34" charset="0"/>
+              </a:rPr>
+              <a:t>hỗ</a:t>
+            </a:r>
+            <a:r>
+              <a:rPr lang="en-US" dirty="0" smtClean="0">
+                <a:latin typeface="Arial" panose="020B0604020202020204" pitchFamily="34" charset="0"/>
+                <a:cs typeface="Arial" panose="020B0604020202020204" pitchFamily="34" charset="0"/>
+              </a:rPr>
+              <a:t> </a:t>
+            </a:r>
+            <a:r>
+              <a:rPr lang="en-US" dirty="0" err="1" smtClean="0">
+                <a:latin typeface="Arial" panose="020B0604020202020204" pitchFamily="34" charset="0"/>
+                <a:cs typeface="Arial" panose="020B0604020202020204" pitchFamily="34" charset="0"/>
+              </a:rPr>
+              <a:t>trợ</a:t>
+            </a:r>
+            <a:r>
+              <a:rPr lang="en-US" dirty="0" smtClean="0">
+                <a:latin typeface="Arial" panose="020B0604020202020204" pitchFamily="34" charset="0"/>
+                <a:cs typeface="Arial" panose="020B0604020202020204" pitchFamily="34" charset="0"/>
+              </a:rPr>
+              <a:t>)</a:t>
+            </a:r>
+          </a:p>
+          <a:p>
+            <a:pPr lvl="1"/>
+            <a:r>
+              <a:rPr lang="en-US" dirty="0" smtClean="0">
+                <a:latin typeface="Arial" panose="020B0604020202020204" pitchFamily="34" charset="0"/>
+                <a:cs typeface="Arial" panose="020B0604020202020204" pitchFamily="34" charset="0"/>
+              </a:rPr>
+              <a:t>Data: </a:t>
+            </a:r>
+            <a:r>
+              <a:rPr lang="en-US" dirty="0" err="1" smtClean="0">
+                <a:latin typeface="Arial" panose="020B0604020202020204" pitchFamily="34" charset="0"/>
+                <a:cs typeface="Arial" panose="020B0604020202020204" pitchFamily="34" charset="0"/>
+              </a:rPr>
+              <a:t>guid</a:t>
+            </a:r>
+            <a:r>
+              <a:rPr lang="en-US" dirty="0">
+                <a:latin typeface="Arial" panose="020B0604020202020204" pitchFamily="34" charset="0"/>
+                <a:cs typeface="Arial" panose="020B0604020202020204" pitchFamily="34" charset="0"/>
+              </a:rPr>
+              <a:t> </a:t>
+            </a:r>
+            <a:r>
+              <a:rPr lang="en-US" dirty="0" smtClean="0">
+                <a:latin typeface="Arial" panose="020B0604020202020204" pitchFamily="34" charset="0"/>
+                <a:cs typeface="Arial" panose="020B0604020202020204" pitchFamily="34" charset="0"/>
+              </a:rPr>
+              <a:t>– </a:t>
+            </a:r>
+            <a:r>
+              <a:rPr lang="en-US" dirty="0" err="1" smtClean="0">
+                <a:latin typeface="Arial" panose="020B0604020202020204" pitchFamily="34" charset="0"/>
+                <a:cs typeface="Arial" panose="020B0604020202020204" pitchFamily="34" charset="0"/>
+              </a:rPr>
+              <a:t>Lưu</a:t>
+            </a:r>
+            <a:r>
+              <a:rPr lang="en-US" dirty="0" smtClean="0">
+                <a:latin typeface="Arial" panose="020B0604020202020204" pitchFamily="34" charset="0"/>
+                <a:cs typeface="Arial" panose="020B0604020202020204" pitchFamily="34" charset="0"/>
+              </a:rPr>
+              <a:t> ý </a:t>
+            </a:r>
+            <a:r>
+              <a:rPr lang="en-US" dirty="0" err="1" smtClean="0">
+                <a:latin typeface="Arial" panose="020B0604020202020204" pitchFamily="34" charset="0"/>
+                <a:cs typeface="Arial" panose="020B0604020202020204" pitchFamily="34" charset="0"/>
+              </a:rPr>
+              <a:t>kiểm</a:t>
+            </a:r>
+            <a:r>
+              <a:rPr lang="en-US" dirty="0" smtClean="0">
+                <a:latin typeface="Arial" panose="020B0604020202020204" pitchFamily="34" charset="0"/>
+                <a:cs typeface="Arial" panose="020B0604020202020204" pitchFamily="34" charset="0"/>
+              </a:rPr>
+              <a:t> </a:t>
+            </a:r>
+            <a:r>
+              <a:rPr lang="en-US" dirty="0" err="1" smtClean="0">
+                <a:latin typeface="Arial" panose="020B0604020202020204" pitchFamily="34" charset="0"/>
+                <a:cs typeface="Arial" panose="020B0604020202020204" pitchFamily="34" charset="0"/>
+              </a:rPr>
+              <a:t>tra</a:t>
+            </a:r>
+            <a:r>
+              <a:rPr lang="en-US" dirty="0" smtClean="0">
+                <a:latin typeface="Arial" panose="020B0604020202020204" pitchFamily="34" charset="0"/>
+                <a:cs typeface="Arial" panose="020B0604020202020204" pitchFamily="34" charset="0"/>
+              </a:rPr>
+              <a:t> </a:t>
+            </a:r>
+            <a:r>
+              <a:rPr lang="en-US" dirty="0" err="1" smtClean="0">
+                <a:latin typeface="Arial" panose="020B0604020202020204" pitchFamily="34" charset="0"/>
+                <a:cs typeface="Arial" panose="020B0604020202020204" pitchFamily="34" charset="0"/>
+              </a:rPr>
+              <a:t>tồn</a:t>
+            </a:r>
+            <a:r>
+              <a:rPr lang="en-US" dirty="0" smtClean="0">
+                <a:latin typeface="Arial" panose="020B0604020202020204" pitchFamily="34" charset="0"/>
+                <a:cs typeface="Arial" panose="020B0604020202020204" pitchFamily="34" charset="0"/>
+              </a:rPr>
+              <a:t> </a:t>
+            </a:r>
+            <a:r>
+              <a:rPr lang="en-US" dirty="0" err="1" smtClean="0">
+                <a:latin typeface="Arial" panose="020B0604020202020204" pitchFamily="34" charset="0"/>
+                <a:cs typeface="Arial" panose="020B0604020202020204" pitchFamily="34" charset="0"/>
+              </a:rPr>
+              <a:t>tại</a:t>
+            </a:r>
+            <a:r>
+              <a:rPr lang="en-US" dirty="0" smtClean="0">
+                <a:latin typeface="Arial" panose="020B0604020202020204" pitchFamily="34" charset="0"/>
+                <a:cs typeface="Arial" panose="020B0604020202020204" pitchFamily="34" charset="0"/>
+              </a:rPr>
+              <a:t> </a:t>
+            </a:r>
+            <a:r>
+              <a:rPr lang="en-US" dirty="0" err="1" smtClean="0">
+                <a:latin typeface="Arial" panose="020B0604020202020204" pitchFamily="34" charset="0"/>
+                <a:cs typeface="Arial" panose="020B0604020202020204" pitchFamily="34" charset="0"/>
+              </a:rPr>
+              <a:t>trước</a:t>
+            </a:r>
+            <a:r>
+              <a:rPr lang="en-US" dirty="0" smtClean="0">
+                <a:latin typeface="Arial" panose="020B0604020202020204" pitchFamily="34" charset="0"/>
+                <a:cs typeface="Arial" panose="020B0604020202020204" pitchFamily="34" charset="0"/>
+              </a:rPr>
+              <a:t> </a:t>
+            </a:r>
+            <a:r>
+              <a:rPr lang="en-US" dirty="0" err="1" smtClean="0">
+                <a:latin typeface="Arial" panose="020B0604020202020204" pitchFamily="34" charset="0"/>
+                <a:cs typeface="Arial" panose="020B0604020202020204" pitchFamily="34" charset="0"/>
+              </a:rPr>
+              <a:t>khi</a:t>
+            </a:r>
+            <a:r>
+              <a:rPr lang="en-US" dirty="0" smtClean="0">
+                <a:latin typeface="Arial" panose="020B0604020202020204" pitchFamily="34" charset="0"/>
+                <a:cs typeface="Arial" panose="020B0604020202020204" pitchFamily="34" charset="0"/>
+              </a:rPr>
+              <a:t> Save</a:t>
+            </a:r>
+          </a:p>
+          <a:p>
+            <a:r>
+              <a:rPr lang="en-US" dirty="0" err="1" smtClean="0">
+                <a:latin typeface="Arial" panose="020B0604020202020204" pitchFamily="34" charset="0"/>
+                <a:cs typeface="Arial" panose="020B0604020202020204" pitchFamily="34" charset="0"/>
+              </a:rPr>
               <a:t>Chú</a:t>
             </a:r>
             <a:r>
-              <a:rPr lang="en-US" dirty="0" smtClean="0"/>
+              <a:rPr lang="en-US" dirty="0" smtClean="0">
+                <a:latin typeface="Arial" panose="020B0604020202020204" pitchFamily="34" charset="0"/>
+                <a:cs typeface="Arial" panose="020B0604020202020204" pitchFamily="34" charset="0"/>
+              </a:rPr>
               <a:t> </a:t>
             </a:r>
             <a:r>
-              <a:rPr lang="en-US" dirty="0" err="1"/>
+              <a:rPr lang="en-US" dirty="0" err="1" smtClean="0">
+                <a:latin typeface="Arial" panose="020B0604020202020204" pitchFamily="34" charset="0"/>
+                <a:cs typeface="Arial" panose="020B0604020202020204" pitchFamily="34" charset="0"/>
+              </a:rPr>
               <a:t>thích</a:t>
             </a:r>
-            <a:endParaRPr lang="vi-VN" dirty="0"/>
-          </a:p>
-          <a:p>
-            <a:pPr lvl="1"/>
-            <a:r>
-              <a:rPr lang="en-US" dirty="0" err="1" smtClean="0"/>
+            <a:r>
+              <a:rPr lang="en-US" dirty="0" smtClean="0">
+                <a:latin typeface="Arial" panose="020B0604020202020204" pitchFamily="34" charset="0"/>
+                <a:cs typeface="Arial" panose="020B0604020202020204" pitchFamily="34" charset="0"/>
+              </a:rPr>
+              <a:t>: </a:t>
+            </a:r>
+            <a:r>
+              <a:rPr lang="en-US" dirty="0" err="1" smtClean="0">
+                <a:latin typeface="Arial" panose="020B0604020202020204" pitchFamily="34" charset="0"/>
+                <a:cs typeface="Arial" panose="020B0604020202020204" pitchFamily="34" charset="0"/>
+              </a:rPr>
               <a:t>Hàm</a:t>
             </a:r>
             <a:r>
-              <a:rPr lang="en-US" dirty="0" smtClean="0"/>
+              <a:rPr lang="en-US" dirty="0" smtClean="0">
+                <a:latin typeface="Arial" panose="020B0604020202020204" pitchFamily="34" charset="0"/>
+                <a:cs typeface="Arial" panose="020B0604020202020204" pitchFamily="34" charset="0"/>
+              </a:rPr>
               <a:t> </a:t>
             </a:r>
             <a:r>
-              <a:rPr lang="en-US" dirty="0" err="1" smtClean="0"/>
+              <a:rPr lang="en-US" dirty="0" err="1" smtClean="0">
+                <a:latin typeface="Arial" panose="020B0604020202020204" pitchFamily="34" charset="0"/>
+                <a:cs typeface="Arial" panose="020B0604020202020204" pitchFamily="34" charset="0"/>
+              </a:rPr>
               <a:t>trong</a:t>
             </a:r>
             <a:r>
-              <a:rPr lang="en-US" dirty="0" smtClean="0"/>
+              <a:rPr lang="en-US" dirty="0" smtClean="0">
+                <a:latin typeface="Arial" panose="020B0604020202020204" pitchFamily="34" charset="0"/>
+                <a:cs typeface="Arial" panose="020B0604020202020204" pitchFamily="34" charset="0"/>
+              </a:rPr>
               <a:t> </a:t>
             </a:r>
             <a:r>
-              <a:rPr lang="en-US" dirty="0" err="1" smtClean="0"/>
+              <a:rPr lang="en-US" dirty="0" err="1" smtClean="0">
+                <a:latin typeface="Arial" panose="020B0604020202020204" pitchFamily="34" charset="0"/>
+                <a:cs typeface="Arial" panose="020B0604020202020204" pitchFamily="34" charset="0"/>
+              </a:rPr>
               <a:t>các</a:t>
             </a:r>
             <a:r>
-              <a:rPr lang="en-US" dirty="0" smtClean="0"/>
+              <a:rPr lang="en-US" dirty="0" smtClean="0">
+                <a:latin typeface="Arial" panose="020B0604020202020204" pitchFamily="34" charset="0"/>
+                <a:cs typeface="Arial" panose="020B0604020202020204" pitchFamily="34" charset="0"/>
+              </a:rPr>
               <a:t> </a:t>
             </a:r>
             <a:r>
-              <a:rPr lang="en-US" dirty="0" err="1" smtClean="0"/>
+              <a:rPr lang="en-US" dirty="0" err="1" smtClean="0">
+                <a:latin typeface="Arial" panose="020B0604020202020204" pitchFamily="34" charset="0"/>
+                <a:cs typeface="Arial" panose="020B0604020202020204" pitchFamily="34" charset="0"/>
+              </a:rPr>
               <a:t>lớp</a:t>
             </a:r>
             <a:r>
-              <a:rPr lang="en-US" dirty="0" smtClean="0"/>
+              <a:rPr lang="en-US" dirty="0" smtClean="0">
+                <a:latin typeface="Arial" panose="020B0604020202020204" pitchFamily="34" charset="0"/>
+                <a:cs typeface="Arial" panose="020B0604020202020204" pitchFamily="34" charset="0"/>
+              </a:rPr>
               <a:t> Business: </a:t>
             </a:r>
             <a:r>
-              <a:rPr lang="en-US" dirty="0" err="1" smtClean="0"/>
+              <a:rPr lang="en-US" dirty="0" err="1" smtClean="0">
+                <a:latin typeface="Arial" panose="020B0604020202020204" pitchFamily="34" charset="0"/>
+                <a:cs typeface="Arial" panose="020B0604020202020204" pitchFamily="34" charset="0"/>
+              </a:rPr>
               <a:t>Phải</a:t>
             </a:r>
             <a:r>
-              <a:rPr lang="en-US" dirty="0" smtClean="0"/>
-              <a:t> dung </a:t>
-            </a:r>
-            <a:r>
-              <a:rPr lang="en-US" dirty="0" err="1" smtClean="0"/>
+              <a:rPr lang="en-US" dirty="0" smtClean="0">
+                <a:latin typeface="Arial" panose="020B0604020202020204" pitchFamily="34" charset="0"/>
+                <a:cs typeface="Arial" panose="020B0604020202020204" pitchFamily="34" charset="0"/>
+              </a:rPr>
+              <a:t> </a:t>
+            </a:r>
+            <a:r>
+              <a:rPr lang="en-US" dirty="0" err="1" smtClean="0">
+                <a:latin typeface="Arial" panose="020B0604020202020204" pitchFamily="34" charset="0"/>
+                <a:cs typeface="Arial" panose="020B0604020202020204" pitchFamily="34" charset="0"/>
+              </a:rPr>
+              <a:t>dùng</a:t>
+            </a:r>
+            <a:r>
+              <a:rPr lang="en-US" dirty="0" smtClean="0">
+                <a:latin typeface="Arial" panose="020B0604020202020204" pitchFamily="34" charset="0"/>
+                <a:cs typeface="Arial" panose="020B0604020202020204" pitchFamily="34" charset="0"/>
+              </a:rPr>
+              <a:t> </a:t>
+            </a:r>
+            <a:r>
+              <a:rPr lang="en-US" dirty="0" err="1" smtClean="0">
+                <a:latin typeface="Arial" panose="020B0604020202020204" pitchFamily="34" charset="0"/>
+                <a:cs typeface="Arial" panose="020B0604020202020204" pitchFamily="34" charset="0"/>
+              </a:rPr>
               <a:t>chú</a:t>
             </a:r>
             <a:r>
-              <a:rPr lang="en-US" dirty="0" smtClean="0"/>
+              <a:rPr lang="en-US" dirty="0" smtClean="0">
+                <a:latin typeface="Arial" panose="020B0604020202020204" pitchFamily="34" charset="0"/>
+                <a:cs typeface="Arial" panose="020B0604020202020204" pitchFamily="34" charset="0"/>
+              </a:rPr>
               <a:t> </a:t>
             </a:r>
             <a:r>
-              <a:rPr lang="en-US" dirty="0" err="1" smtClean="0"/>
+              <a:rPr lang="en-US" dirty="0" err="1" smtClean="0">
+                <a:latin typeface="Arial" panose="020B0604020202020204" pitchFamily="34" charset="0"/>
+                <a:cs typeface="Arial" panose="020B0604020202020204" pitchFamily="34" charset="0"/>
+              </a:rPr>
               <a:t>thích</a:t>
             </a:r>
             <a:r>
-              <a:rPr lang="en-US" dirty="0" smtClean="0"/>
+              <a:rPr lang="en-US" dirty="0" smtClean="0">
+                <a:latin typeface="Arial" panose="020B0604020202020204" pitchFamily="34" charset="0"/>
+                <a:cs typeface="Arial" panose="020B0604020202020204" pitchFamily="34" charset="0"/>
+              </a:rPr>
               <a:t> xml</a:t>
             </a:r>
-            <a:endParaRPr lang="vi-VN" dirty="0"/>
+          </a:p>
+          <a:p>
+            <a:r>
+              <a:rPr lang="en-US" dirty="0" smtClean="0">
+                <a:latin typeface="Arial" panose="020B0604020202020204" pitchFamily="34" charset="0"/>
+                <a:cs typeface="Arial" panose="020B0604020202020204" pitchFamily="34" charset="0"/>
+              </a:rPr>
+              <a:t>Icon: </a:t>
+            </a:r>
+            <a:r>
+              <a:rPr lang="vi-VN" dirty="0" smtClean="0">
+                <a:latin typeface="Arial" panose="020B0604020202020204" pitchFamily="34" charset="0"/>
+                <a:cs typeface="Arial" panose="020B0604020202020204" pitchFamily="34" charset="0"/>
+                <a:hlinkClick r:id="rId3"/>
+              </a:rPr>
+              <a:t>https</a:t>
+            </a:r>
+            <a:r>
+              <a:rPr lang="vi-VN" dirty="0">
+                <a:latin typeface="Arial" panose="020B0604020202020204" pitchFamily="34" charset="0"/>
+                <a:cs typeface="Arial" panose="020B0604020202020204" pitchFamily="34" charset="0"/>
+                <a:hlinkClick r:id="rId3"/>
+              </a:rPr>
+              <a:t>://www.iconfinder.com</a:t>
+            </a:r>
+            <a:r>
+              <a:rPr lang="vi-VN" dirty="0" smtClean="0">
+                <a:latin typeface="Arial" panose="020B0604020202020204" pitchFamily="34" charset="0"/>
+                <a:cs typeface="Arial" panose="020B0604020202020204" pitchFamily="34" charset="0"/>
+                <a:hlinkClick r:id="rId3"/>
+              </a:rPr>
+              <a:t>/</a:t>
+            </a:r>
+            <a:endParaRPr lang="vi-VN" dirty="0" smtClean="0">
+              <a:latin typeface="Arial" panose="020B0604020202020204" pitchFamily="34" charset="0"/>
+              <a:cs typeface="Arial" panose="020B0604020202020204" pitchFamily="34" charset="0"/>
+            </a:endParaRPr>
+          </a:p>
+          <a:p>
+            <a:r>
+              <a:rPr lang="vi-VN" dirty="0" smtClean="0">
+                <a:latin typeface="Arial" panose="020B0604020202020204" pitchFamily="34" charset="0"/>
+                <a:cs typeface="Arial" panose="020B0604020202020204" pitchFamily="34" charset="0"/>
+              </a:rPr>
+              <a:t>Tài nguyên: phải để vào thư mục Resources, tránh bị thất lạc tài nguyên</a:t>
+            </a:r>
+          </a:p>
+          <a:p>
+            <a:r>
+              <a:rPr lang="vi-VN" dirty="0" smtClean="0">
+                <a:latin typeface="Arial" panose="020B0604020202020204" pitchFamily="34" charset="0"/>
+                <a:cs typeface="Arial" panose="020B0604020202020204" pitchFamily="34" charset="0"/>
+              </a:rPr>
+              <a:t>Khi thực hiện Pull Request phải Build thành công, code không còn lỗi</a:t>
+            </a:r>
+            <a:endParaRPr lang="vi-VN" dirty="0">
+              <a:latin typeface="Arial" panose="020B0604020202020204" pitchFamily="34" charset="0"/>
+              <a:cs typeface="Arial" panose="020B0604020202020204" pitchFamily="34" charset="0"/>
+            </a:endParaRPr>
           </a:p>
         </p:txBody>
       </p:sp>
@@ -9828,6 +10393,22 @@
           <a:bodyPr/>
           <a:lstStyle/>
           <a:p>
+            <a:r>
+              <a:rPr lang="vi-VN" dirty="0" smtClean="0"/>
+              <a:t>Danh mục (BHXH.CommonList)</a:t>
+            </a:r>
+          </a:p>
+          <a:p>
+            <a:r>
+              <a:rPr lang="vi-VN" dirty="0" smtClean="0"/>
+              <a:t>Hệ thống (BHXH.App)</a:t>
+            </a:r>
+          </a:p>
+          <a:p>
+            <a:r>
+              <a:rPr lang="vi-VN" dirty="0" smtClean="0"/>
+              <a:t>Nhân sự (BHXH.HR)</a:t>
+            </a:r>
             <a:endParaRPr lang="vi-VN" dirty="0"/>
           </a:p>
         </p:txBody>
@@ -9909,14 +10490,55 @@
           <a:lstStyle/>
           <a:p>
             <a:r>
+              <a:rPr lang="en-US" b="1" dirty="0" err="1" smtClean="0"/>
+              <a:t>Linq</a:t>
+            </a:r>
+            <a:r>
+              <a:rPr lang="en-US" b="1" dirty="0" smtClean="0"/>
+              <a:t> 2 SQL </a:t>
+            </a:r>
+            <a:r>
+              <a:rPr lang="en-US" dirty="0" smtClean="0"/>
+              <a:t>(</a:t>
+            </a:r>
+            <a:r>
               <a:rPr lang="en-US" dirty="0" err="1" smtClean="0"/>
-              <a:t>Linq</a:t>
+              <a:t>thư</a:t>
             </a:r>
             <a:r>
               <a:rPr lang="en-US" dirty="0" smtClean="0"/>
-              <a:t> 2 SQL</a:t>
-            </a:r>
-            <a:endParaRPr lang="vi-VN" dirty="0"/>
+              <a:t> </a:t>
+            </a:r>
+            <a:r>
+              <a:rPr lang="en-US" dirty="0" err="1" smtClean="0"/>
+              <a:t>mục</a:t>
+            </a:r>
+            <a:r>
+              <a:rPr lang="en-US" dirty="0" smtClean="0"/>
+              <a:t> </a:t>
+            </a:r>
+            <a:r>
+              <a:rPr lang="en-US" dirty="0" err="1" smtClean="0"/>
+              <a:t>NghienCuuHocTap</a:t>
+            </a:r>
+            <a:r>
+              <a:rPr lang="en-US" dirty="0" smtClean="0"/>
+              <a:t>)</a:t>
+            </a:r>
+          </a:p>
+          <a:p>
+            <a:r>
+              <a:rPr lang="vi-VN" b="1" dirty="0" smtClean="0"/>
+              <a:t>Github</a:t>
+            </a:r>
+            <a:r>
+              <a:rPr lang="vi-VN" dirty="0" smtClean="0"/>
+              <a:t>: https</a:t>
+            </a:r>
+            <a:r>
+              <a:rPr lang="vi-VN" dirty="0"/>
+              <a:t>://daynhauhoc.com/t/huong-dan-dung-github-tren-windows-co-ban-step-by-step/6526</a:t>
+            </a:r>
           </a:p>
         </p:txBody>
       </p:sp>
@@ -9924,6 +10546,538 @@
     <p:extLst>
       <p:ext uri="{BB962C8B-B14F-4D97-AF65-F5344CB8AC3E}">
         <p14:creationId xmlns:p14="http://schemas.microsoft.com/office/powerpoint/2010/main" val="3145063514"/>
+      </p:ext>
+    </p:extLst>
+  </p:cSld>
+  <p:clrMapOvr>
+    <a:masterClrMapping/>
+  </p:clrMapOvr>
+</p:sld>
+</file>
+
+<file path=ppt/slides/slide7.xml><?xml version="1.0" encoding="utf-8"?>
+<p:sld xmlns:a="http://schemas.openxmlformats.org/drawingml/2006/main" xmlns:r="http://schemas.openxmlformats.org/officeDocument/2006/relationships" xmlns:p="http://schemas.openxmlformats.org/presentationml/2006/main">
+  <p:cSld>
+    <p:spTree>
+      <p:nvGrpSpPr>
+        <p:cNvPr id="1" name=""/>
+        <p:cNvGrpSpPr/>
+        <p:nvPr/>
+      </p:nvGrpSpPr>
+      <p:grpSpPr>
+        <a:xfrm>
+          <a:off x="0" y="0"/>
+          <a:ext cx="0" cy="0"/>
+          <a:chOff x="0" y="0"/>
+          <a:chExt cx="0" cy="0"/>
+        </a:xfrm>
+      </p:grpSpPr>
+      <p:sp>
+        <p:nvSpPr>
+          <p:cNvPr id="2" name="Title 1"/>
+          <p:cNvSpPr>
+            <a:spLocks noGrp="1"/>
+          </p:cNvSpPr>
+          <p:nvPr>
+            <p:ph type="title"/>
+          </p:nvPr>
+        </p:nvSpPr>
+        <p:spPr/>
+        <p:txBody>
+          <a:bodyPr/>
+          <a:lstStyle/>
+          <a:p>
+            <a:r>
+              <a:rPr lang="en-US" dirty="0" err="1" smtClean="0"/>
+              <a:t>Github</a:t>
+            </a:r>
+            <a:r>
+              <a:rPr lang="en-US" dirty="0" smtClean="0"/>
+              <a:t>- </a:t>
+            </a:r>
+            <a:r>
+              <a:rPr lang="en-US" dirty="0" err="1" smtClean="0"/>
+              <a:t>Khái</a:t>
+            </a:r>
+            <a:r>
+              <a:rPr lang="en-US" dirty="0" smtClean="0"/>
+              <a:t> </a:t>
+            </a:r>
+            <a:r>
+              <a:rPr lang="en-US" dirty="0" err="1" smtClean="0"/>
+              <a:t>niệm</a:t>
+            </a:r>
+            <a:r>
+              <a:rPr lang="en-US" dirty="0" smtClean="0"/>
+              <a:t> </a:t>
+            </a:r>
+            <a:r>
+              <a:rPr lang="en-US" dirty="0" err="1" smtClean="0"/>
+              <a:t>cơ</a:t>
+            </a:r>
+            <a:r>
+              <a:rPr lang="en-US" dirty="0" smtClean="0"/>
+              <a:t> </a:t>
+            </a:r>
+            <a:r>
+              <a:rPr lang="en-US" dirty="0" err="1" smtClean="0"/>
+              <a:t>bản</a:t>
+            </a:r>
+            <a:endParaRPr lang="vi-VN" dirty="0"/>
+          </a:p>
+        </p:txBody>
+      </p:sp>
+      <p:sp>
+        <p:nvSpPr>
+          <p:cNvPr id="3" name="Content Placeholder 2"/>
+          <p:cNvSpPr>
+            <a:spLocks noGrp="1"/>
+          </p:cNvSpPr>
+          <p:nvPr>
+            <p:ph idx="1"/>
+          </p:nvPr>
+        </p:nvSpPr>
+        <p:spPr>
+          <a:xfrm>
+            <a:off x="1712413" y="1905000"/>
+            <a:ext cx="6591985" cy="3777622"/>
+          </a:xfrm>
+        </p:spPr>
+        <p:txBody>
+          <a:bodyPr/>
+          <a:lstStyle/>
+          <a:p>
+            <a:r>
+              <a:rPr lang="en-US" dirty="0" smtClean="0"/>
+              <a:t>Fork: </a:t>
+            </a:r>
+            <a:r>
+              <a:rPr lang="en-US" dirty="0" err="1" smtClean="0"/>
+              <a:t>Tạo</a:t>
+            </a:r>
+            <a:r>
+              <a:rPr lang="en-US" dirty="0" smtClean="0"/>
+              <a:t> </a:t>
+            </a:r>
+            <a:r>
+              <a:rPr lang="en-US" dirty="0" err="1" smtClean="0"/>
+              <a:t>bản</a:t>
+            </a:r>
+            <a:r>
+              <a:rPr lang="en-US" dirty="0" smtClean="0"/>
+              <a:t> </a:t>
+            </a:r>
+            <a:r>
+              <a:rPr lang="en-US" dirty="0" err="1" smtClean="0"/>
+              <a:t>sao</a:t>
+            </a:r>
+            <a:r>
+              <a:rPr lang="en-US" dirty="0" smtClean="0"/>
+              <a:t> </a:t>
+            </a:r>
+            <a:r>
+              <a:rPr lang="en-US" dirty="0" err="1" smtClean="0"/>
+              <a:t>từ</a:t>
+            </a:r>
+            <a:r>
+              <a:rPr lang="en-US" dirty="0" smtClean="0"/>
+              <a:t> master</a:t>
+            </a:r>
+          </a:p>
+          <a:p>
+            <a:r>
+              <a:rPr lang="en-US" dirty="0" smtClean="0"/>
+              <a:t>Pull Request: </a:t>
+            </a:r>
+            <a:r>
+              <a:rPr lang="en-US" dirty="0" err="1" smtClean="0"/>
+              <a:t>Yêu</a:t>
+            </a:r>
+            <a:r>
+              <a:rPr lang="en-US" dirty="0" smtClean="0"/>
+              <a:t> </a:t>
+            </a:r>
+            <a:r>
+              <a:rPr lang="en-US" dirty="0" err="1" smtClean="0"/>
+              <a:t>cầu</a:t>
+            </a:r>
+            <a:r>
+              <a:rPr lang="en-US" dirty="0" smtClean="0"/>
+              <a:t> master </a:t>
+            </a:r>
+            <a:r>
+              <a:rPr lang="en-US" dirty="0" err="1" smtClean="0"/>
+              <a:t>cập</a:t>
+            </a:r>
+            <a:r>
+              <a:rPr lang="en-US" dirty="0" smtClean="0"/>
+              <a:t> </a:t>
+            </a:r>
+            <a:r>
+              <a:rPr lang="en-US" dirty="0" err="1" smtClean="0"/>
+              <a:t>nhập</a:t>
+            </a:r>
+            <a:r>
+              <a:rPr lang="en-US" dirty="0" smtClean="0"/>
+              <a:t> code </a:t>
+            </a:r>
+            <a:r>
+              <a:rPr lang="en-US" dirty="0" err="1" smtClean="0"/>
+              <a:t>của</a:t>
+            </a:r>
+            <a:r>
+              <a:rPr lang="en-US" dirty="0" smtClean="0"/>
+              <a:t> </a:t>
+            </a:r>
+            <a:r>
+              <a:rPr lang="en-US" dirty="0" err="1" smtClean="0"/>
+              <a:t>thành</a:t>
+            </a:r>
+            <a:r>
+              <a:rPr lang="en-US" dirty="0" smtClean="0"/>
+              <a:t> </a:t>
+            </a:r>
+            <a:r>
+              <a:rPr lang="en-US" dirty="0" err="1" smtClean="0"/>
+              <a:t>viên</a:t>
+            </a:r>
+            <a:endParaRPr lang="en-US" dirty="0" smtClean="0"/>
+          </a:p>
+          <a:p>
+            <a:r>
+              <a:rPr lang="en-US" dirty="0" smtClean="0"/>
+              <a:t>Self Pull Request: </a:t>
+            </a:r>
+            <a:r>
+              <a:rPr lang="en-US" dirty="0" err="1" smtClean="0"/>
+              <a:t>Thành</a:t>
+            </a:r>
+            <a:r>
+              <a:rPr lang="en-US" dirty="0" smtClean="0"/>
+              <a:t> </a:t>
+            </a:r>
+            <a:r>
+              <a:rPr lang="en-US" dirty="0" err="1" smtClean="0"/>
+              <a:t>viên</a:t>
+            </a:r>
+            <a:r>
+              <a:rPr lang="en-US" dirty="0" smtClean="0"/>
+              <a:t> </a:t>
+            </a:r>
+            <a:r>
+              <a:rPr lang="en-US" dirty="0" err="1" smtClean="0"/>
+              <a:t>cập</a:t>
+            </a:r>
+            <a:r>
+              <a:rPr lang="en-US" dirty="0" smtClean="0"/>
+              <a:t> </a:t>
+            </a:r>
+            <a:r>
+              <a:rPr lang="en-US" dirty="0" err="1" smtClean="0"/>
+              <a:t>nhập</a:t>
+            </a:r>
+            <a:r>
+              <a:rPr lang="en-US" dirty="0" smtClean="0"/>
+              <a:t> code </a:t>
+            </a:r>
+            <a:r>
+              <a:rPr lang="en-US" dirty="0" err="1" smtClean="0"/>
+              <a:t>từ</a:t>
+            </a:r>
+            <a:r>
+              <a:rPr lang="en-US" dirty="0" smtClean="0"/>
+              <a:t> master</a:t>
+            </a:r>
+          </a:p>
+          <a:p>
+            <a:r>
+              <a:rPr lang="vi-VN" dirty="0" smtClean="0"/>
+              <a:t>Link: </a:t>
+            </a:r>
+            <a:r>
+              <a:rPr lang="vi-VN" dirty="0"/>
+              <a:t>https://daynhauhoc.com/t/huong-dan-dung-github-tren-windows-co-ban-step-by-step/6526</a:t>
+            </a:r>
+          </a:p>
+          <a:p>
+            <a:endParaRPr lang="vi-VN" dirty="0"/>
+          </a:p>
+        </p:txBody>
+      </p:sp>
+    </p:spTree>
+    <p:extLst>
+      <p:ext uri="{BB962C8B-B14F-4D97-AF65-F5344CB8AC3E}">
+        <p14:creationId xmlns:p14="http://schemas.microsoft.com/office/powerpoint/2010/main" val="1444862830"/>
+      </p:ext>
+    </p:extLst>
+  </p:cSld>
+  <p:clrMapOvr>
+    <a:masterClrMapping/>
+  </p:clrMapOvr>
+</p:sld>
+</file>
+
+<file path=ppt/slides/slide8.xml><?xml version="1.0" encoding="utf-8"?>
+<p:sld xmlns:a="http://schemas.openxmlformats.org/drawingml/2006/main" xmlns:r="http://schemas.openxmlformats.org/officeDocument/2006/relationships" xmlns:p="http://schemas.openxmlformats.org/presentationml/2006/main">
+  <p:cSld>
+    <p:spTree>
+      <p:nvGrpSpPr>
+        <p:cNvPr id="1" name=""/>
+        <p:cNvGrpSpPr/>
+        <p:nvPr/>
+      </p:nvGrpSpPr>
+      <p:grpSpPr>
+        <a:xfrm>
+          <a:off x="0" y="0"/>
+          <a:ext cx="0" cy="0"/>
+          <a:chOff x="0" y="0"/>
+          <a:chExt cx="0" cy="0"/>
+        </a:xfrm>
+      </p:grpSpPr>
+      <p:sp>
+        <p:nvSpPr>
+          <p:cNvPr id="2" name="Title 1"/>
+          <p:cNvSpPr>
+            <a:spLocks noGrp="1"/>
+          </p:cNvSpPr>
+          <p:nvPr>
+            <p:ph type="title"/>
+          </p:nvPr>
+        </p:nvSpPr>
+        <p:spPr/>
+        <p:txBody>
+          <a:bodyPr/>
+          <a:lstStyle/>
+          <a:p>
+            <a:r>
+              <a:rPr lang="vi-VN" dirty="0" smtClean="0"/>
+              <a:t>LINQ</a:t>
+            </a:r>
+            <a:endParaRPr lang="vi-VN" dirty="0"/>
+          </a:p>
+        </p:txBody>
+      </p:sp>
+      <p:sp>
+        <p:nvSpPr>
+          <p:cNvPr id="3" name="Content Placeholder 2"/>
+          <p:cNvSpPr>
+            <a:spLocks noGrp="1"/>
+          </p:cNvSpPr>
+          <p:nvPr>
+            <p:ph idx="1"/>
+          </p:nvPr>
+        </p:nvSpPr>
+        <p:spPr/>
+        <p:txBody>
+          <a:bodyPr>
+            <a:normAutofit fontScale="85000" lnSpcReduction="20000"/>
+          </a:bodyPr>
+          <a:lstStyle/>
+          <a:p>
+            <a:r>
+              <a:rPr lang="vi-VN" dirty="0" smtClean="0"/>
+              <a:t>SELECT</a:t>
+            </a:r>
+          </a:p>
+          <a:p>
+            <a:pPr lvl="1"/>
+            <a:r>
+              <a:rPr lang="vi-VN" dirty="0" smtClean="0"/>
+              <a:t>WHERE</a:t>
+            </a:r>
+          </a:p>
+          <a:p>
+            <a:pPr lvl="1"/>
+            <a:r>
+              <a:rPr lang="vi-VN" dirty="0" smtClean="0"/>
+              <a:t>JOIN</a:t>
+            </a:r>
+          </a:p>
+          <a:p>
+            <a:pPr lvl="1"/>
+            <a:r>
+              <a:rPr lang="vi-VN" dirty="0" smtClean="0"/>
+              <a:t>GROUP BY</a:t>
+            </a:r>
+          </a:p>
+          <a:p>
+            <a:pPr lvl="1"/>
+            <a:r>
+              <a:rPr lang="vi-VN" dirty="0" smtClean="0"/>
+              <a:t>HAVING</a:t>
+            </a:r>
+          </a:p>
+          <a:p>
+            <a:pPr lvl="1"/>
+            <a:r>
+              <a:rPr lang="vi-VN" dirty="0" smtClean="0"/>
+              <a:t>ORDER BY</a:t>
+            </a:r>
+          </a:p>
+          <a:p>
+            <a:pPr lvl="1"/>
+            <a:r>
+              <a:rPr lang="vi-VN" dirty="0" smtClean="0"/>
+              <a:t>SELECT NEW</a:t>
+            </a:r>
+          </a:p>
+          <a:p>
+            <a:r>
+              <a:rPr lang="vi-VN" dirty="0" smtClean="0"/>
+              <a:t>UPDATE</a:t>
+            </a:r>
+          </a:p>
+          <a:p>
+            <a:r>
+              <a:rPr lang="vi-VN" dirty="0" smtClean="0"/>
+              <a:t>DELETE</a:t>
+            </a:r>
+          </a:p>
+          <a:p>
+            <a:r>
+              <a:rPr lang="vi-VN" dirty="0" smtClean="0"/>
+              <a:t>Example: </a:t>
+            </a:r>
+            <a:r>
+              <a:rPr lang="vi-VN" dirty="0" smtClean="0">
+                <a:hlinkClick r:id="rId2"/>
+              </a:rPr>
+              <a:t>https</a:t>
+            </a:r>
+            <a:r>
+              <a:rPr lang="vi-VN" dirty="0">
+                <a:hlinkClick r:id="rId2"/>
+              </a:rPr>
+              <a:t>://</a:t>
+            </a:r>
+            <a:r>
+              <a:rPr lang="vi-VN" dirty="0" smtClean="0">
+                <a:hlinkClick r:id="rId2"/>
+              </a:rPr>
+              <a:t>msdn.microsoft.com/en-us/library/gg509017.aspx</a:t>
+            </a:r>
+            <a:endParaRPr lang="vi-VN" dirty="0" smtClean="0"/>
+          </a:p>
+          <a:p>
+            <a:r>
+              <a:rPr lang="vi-VN" dirty="0" smtClean="0"/>
+              <a:t>Lambda expression: https</a:t>
+            </a:r>
+            <a:r>
+              <a:rPr lang="vi-VN" dirty="0"/>
+              <a:t>://www.codeproject.com/tips/298963/understand-lambda-expressions-in-minutes</a:t>
+            </a:r>
+          </a:p>
+        </p:txBody>
+      </p:sp>
+    </p:spTree>
+    <p:extLst>
+      <p:ext uri="{BB962C8B-B14F-4D97-AF65-F5344CB8AC3E}">
+        <p14:creationId xmlns:p14="http://schemas.microsoft.com/office/powerpoint/2010/main" val="3496675888"/>
+      </p:ext>
+    </p:extLst>
+  </p:cSld>
+  <p:clrMapOvr>
+    <a:masterClrMapping/>
+  </p:clrMapOvr>
+</p:sld>
+</file>
+
+<file path=ppt/slides/slide9.xml><?xml version="1.0" encoding="utf-8"?>
+<p:sld xmlns:a="http://schemas.openxmlformats.org/drawingml/2006/main" xmlns:r="http://schemas.openxmlformats.org/officeDocument/2006/relationships" xmlns:p="http://schemas.openxmlformats.org/presentationml/2006/main">
+  <p:cSld>
+    <p:spTree>
+      <p:nvGrpSpPr>
+        <p:cNvPr id="1" name=""/>
+        <p:cNvGrpSpPr/>
+        <p:nvPr/>
+      </p:nvGrpSpPr>
+      <p:grpSpPr>
+        <a:xfrm>
+          <a:off x="0" y="0"/>
+          <a:ext cx="0" cy="0"/>
+          <a:chOff x="0" y="0"/>
+          <a:chExt cx="0" cy="0"/>
+        </a:xfrm>
+      </p:grpSpPr>
+      <p:sp>
+        <p:nvSpPr>
+          <p:cNvPr id="2" name="Title 1"/>
+          <p:cNvSpPr>
+            <a:spLocks noGrp="1"/>
+          </p:cNvSpPr>
+          <p:nvPr>
+            <p:ph type="title"/>
+          </p:nvPr>
+        </p:nvSpPr>
+        <p:spPr/>
+        <p:txBody>
+          <a:bodyPr/>
+          <a:lstStyle/>
+          <a:p>
+            <a:r>
+              <a:rPr lang="vi-VN" dirty="0" smtClean="0"/>
+              <a:t>Entities Frameworks</a:t>
+            </a:r>
+            <a:endParaRPr lang="vi-VN" dirty="0"/>
+          </a:p>
+        </p:txBody>
+      </p:sp>
+      <p:sp>
+        <p:nvSpPr>
+          <p:cNvPr id="3" name="Content Placeholder 2"/>
+          <p:cNvSpPr>
+            <a:spLocks noGrp="1"/>
+          </p:cNvSpPr>
+          <p:nvPr>
+            <p:ph idx="1"/>
+          </p:nvPr>
+        </p:nvSpPr>
+        <p:spPr/>
+        <p:txBody>
+          <a:bodyPr/>
+          <a:lstStyle/>
+          <a:p>
+            <a:r>
+              <a:rPr lang="vi-VN" dirty="0" smtClean="0"/>
+              <a:t>Thay đổi cấu trúc Database </a:t>
+            </a:r>
+            <a:r>
+              <a:rPr lang="vi-VN" dirty="0" smtClean="0"/>
+              <a:t>(Sử </a:t>
+            </a:r>
+            <a:r>
+              <a:rPr lang="vi-VN" dirty="0" smtClean="0"/>
+              <a:t>dụng script, ghi rõ ngày giờ, người cập nhập)</a:t>
+            </a:r>
+          </a:p>
+          <a:p>
+            <a:r>
+              <a:rPr lang="vi-VN" dirty="0" smtClean="0"/>
+              <a:t>Xóa Database Context cũ</a:t>
+            </a:r>
+          </a:p>
+          <a:p>
+            <a:r>
+              <a:rPr lang="vi-VN" dirty="0" smtClean="0"/>
+              <a:t>Tạo Database Context (BHXH.Data)</a:t>
+            </a:r>
+          </a:p>
+          <a:p>
+            <a:r>
+              <a:rPr lang="vi-VN" dirty="0" smtClean="0"/>
+              <a:t>Github Pull Request</a:t>
+            </a:r>
+          </a:p>
+          <a:p>
+            <a:endParaRPr lang="vi-VN" dirty="0"/>
+          </a:p>
+        </p:txBody>
+      </p:sp>
+    </p:spTree>
+    <p:extLst>
+      <p:ext uri="{BB962C8B-B14F-4D97-AF65-F5344CB8AC3E}">
+        <p14:creationId xmlns:p14="http://schemas.microsoft.com/office/powerpoint/2010/main" val="2267191120"/>
       </p:ext>
     </p:extLst>
   </p:cSld>
